--- a/hls/企鹅数据炼金术：从Raw到Insight.pptx
+++ b/hls/企鹅数据炼金术：从Raw到Insight.pptx
@@ -4040,13 +4040,13 @@
   <p:clrMapOvr>
     <a:masterClrMapping/>
   </p:clrMapOvr>
-  <mc:AlternateContent xmlns:mc="http://schemas.openxmlformats.org/markup-compatibility/2006">
-    <mc:Choice xmlns:p159="http://schemas.microsoft.com/office/powerpoint/2015/09/main" Requires="p159">
+  <mc:AlternateContent xmlns:mc="http://schemas.openxmlformats.org/markup-compatibility/2006" xmlns:p159="http://schemas.microsoft.com/office/powerpoint/2015/09/main">
+    <mc:Choice Requires="p159">
       <p:transition spd="med">
         <p159:morph option="byObject"/>
       </p:transition>
     </mc:Choice>
-    <mc:Fallback>
+    <mc:Fallback xmlns="">
       <p:transition spd="med">
         <p:fade/>
       </p:transition>
@@ -4864,13 +4864,13 @@
   <p:clrMapOvr>
     <a:masterClrMapping/>
   </p:clrMapOvr>
-  <mc:AlternateContent xmlns:mc="http://schemas.openxmlformats.org/markup-compatibility/2006">
-    <mc:Choice xmlns:p159="http://schemas.microsoft.com/office/powerpoint/2015/09/main" Requires="p159">
+  <mc:AlternateContent xmlns:mc="http://schemas.openxmlformats.org/markup-compatibility/2006" xmlns:p159="http://schemas.microsoft.com/office/powerpoint/2015/09/main">
+    <mc:Choice Requires="p159">
       <p:transition spd="med">
         <p159:morph option="byObject"/>
       </p:transition>
     </mc:Choice>
-    <mc:Fallback>
+    <mc:Fallback xmlns="">
       <p:transition spd="med">
         <p:fade/>
       </p:transition>
@@ -5668,13 +5668,13 @@
   <p:clrMapOvr>
     <a:masterClrMapping/>
   </p:clrMapOvr>
-  <mc:AlternateContent xmlns:mc="http://schemas.openxmlformats.org/markup-compatibility/2006">
-    <mc:Choice xmlns:p159="http://schemas.microsoft.com/office/powerpoint/2015/09/main" Requires="p159">
+  <mc:AlternateContent xmlns:mc="http://schemas.openxmlformats.org/markup-compatibility/2006" xmlns:p159="http://schemas.microsoft.com/office/powerpoint/2015/09/main">
+    <mc:Choice Requires="p159">
       <p:transition spd="med">
         <p159:morph option="byObject"/>
       </p:transition>
     </mc:Choice>
-    <mc:Fallback>
+    <mc:Fallback xmlns="">
       <p:transition spd="med">
         <p:fade/>
       </p:transition>
@@ -6090,13 +6090,13 @@
   <p:clrMapOvr>
     <a:masterClrMapping/>
   </p:clrMapOvr>
-  <mc:AlternateContent xmlns:mc="http://schemas.openxmlformats.org/markup-compatibility/2006">
-    <mc:Choice xmlns:p159="http://schemas.microsoft.com/office/powerpoint/2015/09/main" Requires="p159">
+  <mc:AlternateContent xmlns:mc="http://schemas.openxmlformats.org/markup-compatibility/2006" xmlns:p159="http://schemas.microsoft.com/office/powerpoint/2015/09/main">
+    <mc:Choice Requires="p159">
       <p:transition spd="med">
         <p159:morph option="byObject"/>
       </p:transition>
     </mc:Choice>
-    <mc:Fallback>
+    <mc:Fallback xmlns="">
       <p:transition spd="med">
         <p:fade/>
       </p:transition>
@@ -6771,13 +6771,13 @@
   <p:clrMapOvr>
     <a:masterClrMapping/>
   </p:clrMapOvr>
-  <mc:AlternateContent xmlns:mc="http://schemas.openxmlformats.org/markup-compatibility/2006">
-    <mc:Choice xmlns:p159="http://schemas.microsoft.com/office/powerpoint/2015/09/main" Requires="p159">
+  <mc:AlternateContent xmlns:mc="http://schemas.openxmlformats.org/markup-compatibility/2006" xmlns:p159="http://schemas.microsoft.com/office/powerpoint/2015/09/main">
+    <mc:Choice Requires="p159">
       <p:transition spd="med">
         <p159:morph option="byObject"/>
       </p:transition>
     </mc:Choice>
-    <mc:Fallback>
+    <mc:Fallback xmlns="">
       <p:transition spd="med">
         <p:fade/>
       </p:transition>
@@ -7418,13 +7418,13 @@
   <p:clrMapOvr>
     <a:masterClrMapping/>
   </p:clrMapOvr>
-  <mc:AlternateContent xmlns:mc="http://schemas.openxmlformats.org/markup-compatibility/2006">
-    <mc:Choice xmlns:p159="http://schemas.microsoft.com/office/powerpoint/2015/09/main" Requires="p159">
+  <mc:AlternateContent xmlns:mc="http://schemas.openxmlformats.org/markup-compatibility/2006" xmlns:p159="http://schemas.microsoft.com/office/powerpoint/2015/09/main">
+    <mc:Choice Requires="p159">
       <p:transition spd="med">
         <p159:morph option="byObject"/>
       </p:transition>
     </mc:Choice>
-    <mc:Fallback>
+    <mc:Fallback xmlns="">
       <p:transition spd="med">
         <p:fade/>
       </p:transition>
@@ -8089,13 +8089,13 @@
   <p:clrMapOvr>
     <a:masterClrMapping/>
   </p:clrMapOvr>
-  <mc:AlternateContent xmlns:mc="http://schemas.openxmlformats.org/markup-compatibility/2006">
-    <mc:Choice xmlns:p159="http://schemas.microsoft.com/office/powerpoint/2015/09/main" Requires="p159">
+  <mc:AlternateContent xmlns:mc="http://schemas.openxmlformats.org/markup-compatibility/2006" xmlns:p159="http://schemas.microsoft.com/office/powerpoint/2015/09/main">
+    <mc:Choice Requires="p159">
       <p:transition spd="med">
         <p159:morph option="byObject"/>
       </p:transition>
     </mc:Choice>
-    <mc:Fallback>
+    <mc:Fallback xmlns="">
       <p:transition spd="med">
         <p:fade/>
       </p:transition>
@@ -8735,13 +8735,13 @@
   <p:clrMapOvr>
     <a:masterClrMapping/>
   </p:clrMapOvr>
-  <mc:AlternateContent xmlns:mc="http://schemas.openxmlformats.org/markup-compatibility/2006">
-    <mc:Choice xmlns:p159="http://schemas.microsoft.com/office/powerpoint/2015/09/main" Requires="p159">
+  <mc:AlternateContent xmlns:mc="http://schemas.openxmlformats.org/markup-compatibility/2006" xmlns:p159="http://schemas.microsoft.com/office/powerpoint/2015/09/main">
+    <mc:Choice Requires="p159">
       <p:transition spd="med">
         <p159:morph option="byObject"/>
       </p:transition>
     </mc:Choice>
-    <mc:Fallback>
+    <mc:Fallback xmlns="">
       <p:transition spd="med">
         <p:fade/>
       </p:transition>
@@ -9432,13 +9432,13 @@
   <p:clrMapOvr>
     <a:masterClrMapping/>
   </p:clrMapOvr>
-  <mc:AlternateContent xmlns:mc="http://schemas.openxmlformats.org/markup-compatibility/2006">
-    <mc:Choice xmlns:p159="http://schemas.microsoft.com/office/powerpoint/2015/09/main" Requires="p159">
+  <mc:AlternateContent xmlns:mc="http://schemas.openxmlformats.org/markup-compatibility/2006" xmlns:p159="http://schemas.microsoft.com/office/powerpoint/2015/09/main">
+    <mc:Choice Requires="p159">
       <p:transition spd="med">
         <p159:morph option="byObject"/>
       </p:transition>
     </mc:Choice>
-    <mc:Fallback>
+    <mc:Fallback xmlns="">
       <p:transition spd="med">
         <p:fade/>
       </p:transition>
@@ -10164,13 +10164,13 @@
   <p:clrMapOvr>
     <a:masterClrMapping/>
   </p:clrMapOvr>
-  <mc:AlternateContent xmlns:mc="http://schemas.openxmlformats.org/markup-compatibility/2006">
-    <mc:Choice xmlns:p159="http://schemas.microsoft.com/office/powerpoint/2015/09/main" Requires="p159">
+  <mc:AlternateContent xmlns:mc="http://schemas.openxmlformats.org/markup-compatibility/2006" xmlns:p159="http://schemas.microsoft.com/office/powerpoint/2015/09/main">
+    <mc:Choice Requires="p159">
       <p:transition spd="med">
         <p159:morph option="byObject"/>
       </p:transition>
     </mc:Choice>
-    <mc:Fallback>
+    <mc:Fallback xmlns="">
       <p:transition spd="med">
         <p:fade/>
       </p:transition>
@@ -10823,13 +10823,13 @@
   <p:clrMapOvr>
     <a:masterClrMapping/>
   </p:clrMapOvr>
-  <mc:AlternateContent xmlns:mc="http://schemas.openxmlformats.org/markup-compatibility/2006">
-    <mc:Choice xmlns:p159="http://schemas.microsoft.com/office/powerpoint/2015/09/main" Requires="p159">
+  <mc:AlternateContent xmlns:mc="http://schemas.openxmlformats.org/markup-compatibility/2006" xmlns:p159="http://schemas.microsoft.com/office/powerpoint/2015/09/main">
+    <mc:Choice Requires="p159">
       <p:transition spd="med">
         <p159:morph option="byObject"/>
       </p:transition>
     </mc:Choice>
-    <mc:Fallback>
+    <mc:Fallback xmlns="">
       <p:transition spd="med">
         <p:fade/>
       </p:transition>
@@ -12061,13 +12061,13 @@
   <p:clrMapOvr>
     <a:masterClrMapping/>
   </p:clrMapOvr>
-  <mc:AlternateContent xmlns:mc="http://schemas.openxmlformats.org/markup-compatibility/2006">
-    <mc:Choice xmlns:p159="http://schemas.microsoft.com/office/powerpoint/2015/09/main" Requires="p159">
+  <mc:AlternateContent xmlns:mc="http://schemas.openxmlformats.org/markup-compatibility/2006" xmlns:p159="http://schemas.microsoft.com/office/powerpoint/2015/09/main">
+    <mc:Choice Requires="p159">
       <p:transition spd="med">
         <p159:morph option="byObject"/>
       </p:transition>
     </mc:Choice>
-    <mc:Fallback>
+    <mc:Fallback xmlns="">
       <p:transition spd="med">
         <p:fade/>
       </p:transition>
@@ -12568,13 +12568,13 @@
   <p:clrMapOvr>
     <a:masterClrMapping/>
   </p:clrMapOvr>
-  <mc:AlternateContent xmlns:mc="http://schemas.openxmlformats.org/markup-compatibility/2006">
-    <mc:Choice xmlns:p159="http://schemas.microsoft.com/office/powerpoint/2015/09/main" Requires="p159">
+  <mc:AlternateContent xmlns:mc="http://schemas.openxmlformats.org/markup-compatibility/2006" xmlns:p159="http://schemas.microsoft.com/office/powerpoint/2015/09/main">
+    <mc:Choice Requires="p159">
       <p:transition spd="med">
         <p159:morph option="byObject"/>
       </p:transition>
     </mc:Choice>
-    <mc:Fallback>
+    <mc:Fallback xmlns="">
       <p:transition spd="med">
         <p:fade/>
       </p:transition>
@@ -13333,13 +13333,13 @@
   <p:clrMapOvr>
     <a:masterClrMapping/>
   </p:clrMapOvr>
-  <mc:AlternateContent xmlns:mc="http://schemas.openxmlformats.org/markup-compatibility/2006">
-    <mc:Choice xmlns:p159="http://schemas.microsoft.com/office/powerpoint/2015/09/main" Requires="p159">
+  <mc:AlternateContent xmlns:mc="http://schemas.openxmlformats.org/markup-compatibility/2006" xmlns:p159="http://schemas.microsoft.com/office/powerpoint/2015/09/main">
+    <mc:Choice Requires="p159">
       <p:transition spd="med">
         <p159:morph option="byObject"/>
       </p:transition>
     </mc:Choice>
-    <mc:Fallback>
+    <mc:Fallback xmlns="">
       <p:transition spd="med">
         <p:fade/>
       </p:transition>
@@ -13910,13 +13910,13 @@
   <p:clrMapOvr>
     <a:masterClrMapping/>
   </p:clrMapOvr>
-  <mc:AlternateContent xmlns:mc="http://schemas.openxmlformats.org/markup-compatibility/2006">
-    <mc:Choice xmlns:p159="http://schemas.microsoft.com/office/powerpoint/2015/09/main" Requires="p159">
+  <mc:AlternateContent xmlns:mc="http://schemas.openxmlformats.org/markup-compatibility/2006" xmlns:p159="http://schemas.microsoft.com/office/powerpoint/2015/09/main">
+    <mc:Choice Requires="p159">
       <p:transition spd="med">
         <p159:morph option="byObject"/>
       </p:transition>
     </mc:Choice>
-    <mc:Fallback>
+    <mc:Fallback xmlns="">
       <p:transition spd="med">
         <p:fade/>
       </p:transition>
@@ -14411,13 +14411,13 @@
   <p:clrMapOvr>
     <a:masterClrMapping/>
   </p:clrMapOvr>
-  <mc:AlternateContent xmlns:mc="http://schemas.openxmlformats.org/markup-compatibility/2006">
-    <mc:Choice xmlns:p159="http://schemas.microsoft.com/office/powerpoint/2015/09/main" Requires="p159">
+  <mc:AlternateContent xmlns:mc="http://schemas.openxmlformats.org/markup-compatibility/2006" xmlns:p159="http://schemas.microsoft.com/office/powerpoint/2015/09/main">
+    <mc:Choice Requires="p159">
       <p:transition spd="med">
         <p159:morph option="byObject"/>
       </p:transition>
     </mc:Choice>
-    <mc:Fallback>
+    <mc:Fallback xmlns="">
       <p:transition spd="med">
         <p:fade/>
       </p:transition>
@@ -14918,13 +14918,13 @@
   <p:clrMapOvr>
     <a:masterClrMapping/>
   </p:clrMapOvr>
-  <mc:AlternateContent xmlns:mc="http://schemas.openxmlformats.org/markup-compatibility/2006">
-    <mc:Choice xmlns:p159="http://schemas.microsoft.com/office/powerpoint/2015/09/main" Requires="p159">
+  <mc:AlternateContent xmlns:mc="http://schemas.openxmlformats.org/markup-compatibility/2006" xmlns:p159="http://schemas.microsoft.com/office/powerpoint/2015/09/main">
+    <mc:Choice Requires="p159">
       <p:transition spd="med">
         <p159:morph option="byObject"/>
       </p:transition>
     </mc:Choice>
-    <mc:Fallback>
+    <mc:Fallback xmlns="">
       <p:transition spd="med">
         <p:fade/>
       </p:transition>
@@ -15496,13 +15496,13 @@
   <p:clrMapOvr>
     <a:masterClrMapping/>
   </p:clrMapOvr>
-  <mc:AlternateContent xmlns:mc="http://schemas.openxmlformats.org/markup-compatibility/2006">
-    <mc:Choice xmlns:p159="http://schemas.microsoft.com/office/powerpoint/2015/09/main" Requires="p159">
+  <mc:AlternateContent xmlns:mc="http://schemas.openxmlformats.org/markup-compatibility/2006" xmlns:p159="http://schemas.microsoft.com/office/powerpoint/2015/09/main">
+    <mc:Choice Requires="p159">
       <p:transition spd="med">
         <p159:morph option="byObject"/>
       </p:transition>
     </mc:Choice>
-    <mc:Fallback>
+    <mc:Fallback xmlns="">
       <p:transition spd="med">
         <p:fade/>
       </p:transition>
@@ -16108,13 +16108,13 @@
   <p:clrMapOvr>
     <a:masterClrMapping/>
   </p:clrMapOvr>
-  <mc:AlternateContent xmlns:mc="http://schemas.openxmlformats.org/markup-compatibility/2006">
-    <mc:Choice xmlns:p159="http://schemas.microsoft.com/office/powerpoint/2015/09/main" Requires="p159">
+  <mc:AlternateContent xmlns:mc="http://schemas.openxmlformats.org/markup-compatibility/2006" xmlns:p159="http://schemas.microsoft.com/office/powerpoint/2015/09/main">
+    <mc:Choice Requires="p159">
       <p:transition spd="med">
         <p159:morph option="byObject"/>
       </p:transition>
     </mc:Choice>
-    <mc:Fallback>
+    <mc:Fallback xmlns="">
       <p:transition spd="med">
         <p:fade/>
       </p:transition>
@@ -16828,13 +16828,13 @@
   <p:clrMapOvr>
     <a:masterClrMapping/>
   </p:clrMapOvr>
-  <mc:AlternateContent xmlns:mc="http://schemas.openxmlformats.org/markup-compatibility/2006">
-    <mc:Choice xmlns:p159="http://schemas.microsoft.com/office/powerpoint/2015/09/main" Requires="p159">
+  <mc:AlternateContent xmlns:mc="http://schemas.openxmlformats.org/markup-compatibility/2006" xmlns:p159="http://schemas.microsoft.com/office/powerpoint/2015/09/main">
+    <mc:Choice Requires="p159">
       <p:transition spd="med">
         <p159:morph option="byObject"/>
       </p:transition>
     </mc:Choice>
-    <mc:Fallback>
+    <mc:Fallback xmlns="">
       <p:transition spd="med">
         <p:fade/>
       </p:transition>
@@ -17335,13 +17335,13 @@
   <p:clrMapOvr>
     <a:masterClrMapping/>
   </p:clrMapOvr>
-  <mc:AlternateContent xmlns:mc="http://schemas.openxmlformats.org/markup-compatibility/2006">
-    <mc:Choice xmlns:p159="http://schemas.microsoft.com/office/powerpoint/2015/09/main" Requires="p159">
+  <mc:AlternateContent xmlns:mc="http://schemas.openxmlformats.org/markup-compatibility/2006" xmlns:p159="http://schemas.microsoft.com/office/powerpoint/2015/09/main">
+    <mc:Choice Requires="p159">
       <p:transition spd="med">
         <p159:morph option="byObject"/>
       </p:transition>
     </mc:Choice>
-    <mc:Fallback>
+    <mc:Fallback xmlns="">
       <p:transition spd="med">
         <p:fade/>
       </p:transition>
@@ -17960,13 +17960,13 @@
   <p:clrMapOvr>
     <a:masterClrMapping/>
   </p:clrMapOvr>
-  <mc:AlternateContent xmlns:mc="http://schemas.openxmlformats.org/markup-compatibility/2006">
-    <mc:Choice xmlns:p159="http://schemas.microsoft.com/office/powerpoint/2015/09/main" Requires="p159">
+  <mc:AlternateContent xmlns:mc="http://schemas.openxmlformats.org/markup-compatibility/2006" xmlns:p159="http://schemas.microsoft.com/office/powerpoint/2015/09/main">
+    <mc:Choice Requires="p159">
       <p:transition spd="med">
         <p159:morph option="byObject"/>
       </p:transition>
     </mc:Choice>
-    <mc:Fallback>
+    <mc:Fallback xmlns="">
       <p:transition spd="med">
         <p:fade/>
       </p:transition>
@@ -18477,13 +18477,13 @@
   <p:clrMapOvr>
     <a:masterClrMapping/>
   </p:clrMapOvr>
-  <mc:AlternateContent xmlns:mc="http://schemas.openxmlformats.org/markup-compatibility/2006">
-    <mc:Choice xmlns:p159="http://schemas.microsoft.com/office/powerpoint/2015/09/main" Requires="p159">
+  <mc:AlternateContent xmlns:mc="http://schemas.openxmlformats.org/markup-compatibility/2006" xmlns:p159="http://schemas.microsoft.com/office/powerpoint/2015/09/main">
+    <mc:Choice Requires="p159">
       <p:transition spd="med">
         <p159:morph option="byObject"/>
       </p:transition>
     </mc:Choice>
-    <mc:Fallback>
+    <mc:Fallback xmlns="">
       <p:transition spd="med">
         <p:fade/>
       </p:transition>
@@ -19107,18 +19107,234 @@
           </a:p>
         </p:txBody>
       </p:sp>
+      <p:pic>
+        <p:nvPicPr>
+          <p:cNvPr id="22" name="Image 4" descr="https://kimi-img.moonshot.cn/pub/slides/slides_tmpl/image/25-10-09-16:35:25-d3jn7j8s8jdo4os5dj2g.png">
+            <a:extLst>
+              <a:ext uri="{FF2B5EF4-FFF2-40B4-BE49-F238E27FC236}">
+                <a16:creationId xmlns:a16="http://schemas.microsoft.com/office/drawing/2014/main" id="{B7C9B846-D0DC-4837-B349-3CA81AAE55EC}"/>
+              </a:ext>
+            </a:extLst>
+          </p:cNvPr>
+          <p:cNvPicPr>
+            <a:picLocks noChangeAspect="1"/>
+          </p:cNvPicPr>
+          <p:nvPr/>
+        </p:nvPicPr>
+        <p:blipFill>
+          <a:blip r:embed="rId8"/>
+          <a:srcRect l="275" r="275"/>
+          <a:stretch/>
+        </p:blipFill>
+        <p:spPr>
+          <a:xfrm>
+            <a:off x="3606800" y="2503329"/>
+            <a:ext cx="688340" cy="691515"/>
+          </a:xfrm>
+          <a:prstGeom prst="rect">
+            <a:avLst/>
+          </a:prstGeom>
+        </p:spPr>
+      </p:pic>
+      <p:pic>
+        <p:nvPicPr>
+          <p:cNvPr id="23" name="Image 5" descr="https://kimi-img.moonshot.cn/pub/slides/slides_tmpl/image/25-10-09-16:35:25-d3jn7j8s8jdo4os5dj3g.png">
+            <a:extLst>
+              <a:ext uri="{FF2B5EF4-FFF2-40B4-BE49-F238E27FC236}">
+                <a16:creationId xmlns:a16="http://schemas.microsoft.com/office/drawing/2014/main" id="{AA44B407-E198-4A27-BF84-203FC9BF180C}"/>
+              </a:ext>
+            </a:extLst>
+          </p:cNvPr>
+          <p:cNvPicPr>
+            <a:picLocks noChangeAspect="1"/>
+          </p:cNvPicPr>
+          <p:nvPr/>
+        </p:nvPicPr>
+        <p:blipFill>
+          <a:blip r:embed="rId9"/>
+          <a:stretch>
+            <a:fillRect/>
+          </a:stretch>
+        </p:blipFill>
+        <p:spPr>
+          <a:xfrm>
+            <a:off x="3305175" y="2685574"/>
+            <a:ext cx="1288415" cy="330200"/>
+          </a:xfrm>
+          <a:prstGeom prst="rect">
+            <a:avLst/>
+          </a:prstGeom>
+        </p:spPr>
+      </p:pic>
+      <p:sp>
+        <p:nvSpPr>
+          <p:cNvPr id="24" name="Text 7">
+            <a:extLst>
+              <a:ext uri="{FF2B5EF4-FFF2-40B4-BE49-F238E27FC236}">
+                <a16:creationId xmlns:a16="http://schemas.microsoft.com/office/drawing/2014/main" id="{6AE1C6A3-8DCD-4A3C-852C-5EA70F03504C}"/>
+              </a:ext>
+            </a:extLst>
+          </p:cNvPr>
+          <p:cNvSpPr/>
+          <p:nvPr/>
+        </p:nvSpPr>
+        <p:spPr>
+          <a:xfrm>
+            <a:off x="3606165" y="2599214"/>
+            <a:ext cx="688975" cy="536575"/>
+          </a:xfrm>
+          <a:prstGeom prst="rect">
+            <a:avLst/>
+          </a:prstGeom>
+          <a:noFill/>
+          <a:ln/>
+        </p:spPr>
+        <p:txBody>
+          <a:bodyPr wrap="square" lIns="0" tIns="0" rIns="0" bIns="0" rtlCol="0" anchor="t"/>
+          <a:lstStyle/>
+          <a:p>
+            <a:pPr algn="ctr">
+              <a:lnSpc>
+                <a:spcPct val="100000"/>
+              </a:lnSpc>
+            </a:pPr>
+            <a:r>
+              <a:rPr lang="en-US" sz="3200" dirty="0">
+                <a:solidFill>
+                  <a:srgbClr val="FFFFFF"/>
+                </a:solidFill>
+                <a:cs typeface="+mn-ea"/>
+                <a:sym typeface="+mn-lt"/>
+              </a:rPr>
+              <a:t>4</a:t>
+            </a:r>
+            <a:endParaRPr lang="en-US" sz="1600" dirty="0">
+              <a:cs typeface="+mn-ea"/>
+              <a:sym typeface="+mn-lt"/>
+            </a:endParaRPr>
+          </a:p>
+        </p:txBody>
+      </p:sp>
+      <p:pic>
+        <p:nvPicPr>
+          <p:cNvPr id="25" name="Image 4" descr="https://kimi-img.moonshot.cn/pub/slides/slides_tmpl/image/25-10-09-16:35:25-d3jn7j8s8jdo4os5dj2g.png">
+            <a:extLst>
+              <a:ext uri="{FF2B5EF4-FFF2-40B4-BE49-F238E27FC236}">
+                <a16:creationId xmlns:a16="http://schemas.microsoft.com/office/drawing/2014/main" id="{8CD6D9D2-216C-4894-A457-3506FE8E7324}"/>
+              </a:ext>
+            </a:extLst>
+          </p:cNvPr>
+          <p:cNvPicPr>
+            <a:picLocks noChangeAspect="1"/>
+          </p:cNvPicPr>
+          <p:nvPr/>
+        </p:nvPicPr>
+        <p:blipFill>
+          <a:blip r:embed="rId8"/>
+          <a:srcRect l="275" r="275"/>
+          <a:stretch/>
+        </p:blipFill>
+        <p:spPr>
+          <a:xfrm>
+            <a:off x="7922895" y="2486660"/>
+            <a:ext cx="688340" cy="691515"/>
+          </a:xfrm>
+          <a:prstGeom prst="rect">
+            <a:avLst/>
+          </a:prstGeom>
+        </p:spPr>
+      </p:pic>
+      <p:pic>
+        <p:nvPicPr>
+          <p:cNvPr id="26" name="Image 5" descr="https://kimi-img.moonshot.cn/pub/slides/slides_tmpl/image/25-10-09-16:35:25-d3jn7j8s8jdo4os5dj3g.png">
+            <a:extLst>
+              <a:ext uri="{FF2B5EF4-FFF2-40B4-BE49-F238E27FC236}">
+                <a16:creationId xmlns:a16="http://schemas.microsoft.com/office/drawing/2014/main" id="{8C00C022-8780-4298-835D-985367A5267A}"/>
+              </a:ext>
+            </a:extLst>
+          </p:cNvPr>
+          <p:cNvPicPr>
+            <a:picLocks noChangeAspect="1"/>
+          </p:cNvPicPr>
+          <p:nvPr/>
+        </p:nvPicPr>
+        <p:blipFill>
+          <a:blip r:embed="rId9"/>
+          <a:stretch>
+            <a:fillRect/>
+          </a:stretch>
+        </p:blipFill>
+        <p:spPr>
+          <a:xfrm>
+            <a:off x="7621270" y="2668905"/>
+            <a:ext cx="1288415" cy="330200"/>
+          </a:xfrm>
+          <a:prstGeom prst="rect">
+            <a:avLst/>
+          </a:prstGeom>
+        </p:spPr>
+      </p:pic>
+      <p:sp>
+        <p:nvSpPr>
+          <p:cNvPr id="27" name="Text 7">
+            <a:extLst>
+              <a:ext uri="{FF2B5EF4-FFF2-40B4-BE49-F238E27FC236}">
+                <a16:creationId xmlns:a16="http://schemas.microsoft.com/office/drawing/2014/main" id="{685C8010-A00E-4139-8141-53AE1E98AEE9}"/>
+              </a:ext>
+            </a:extLst>
+          </p:cNvPr>
+          <p:cNvSpPr/>
+          <p:nvPr/>
+        </p:nvSpPr>
+        <p:spPr>
+          <a:xfrm>
+            <a:off x="7922260" y="2582545"/>
+            <a:ext cx="688975" cy="536575"/>
+          </a:xfrm>
+          <a:prstGeom prst="rect">
+            <a:avLst/>
+          </a:prstGeom>
+          <a:noFill/>
+          <a:ln/>
+        </p:spPr>
+        <p:txBody>
+          <a:bodyPr wrap="square" lIns="0" tIns="0" rIns="0" bIns="0" rtlCol="0" anchor="t"/>
+          <a:lstStyle/>
+          <a:p>
+            <a:pPr algn="ctr">
+              <a:lnSpc>
+                <a:spcPct val="100000"/>
+              </a:lnSpc>
+            </a:pPr>
+            <a:r>
+              <a:rPr lang="en-US" sz="3200" dirty="0">
+                <a:solidFill>
+                  <a:srgbClr val="FFFFFF"/>
+                </a:solidFill>
+                <a:cs typeface="+mn-ea"/>
+                <a:sym typeface="+mn-lt"/>
+              </a:rPr>
+              <a:t>5</a:t>
+            </a:r>
+            <a:endParaRPr lang="en-US" sz="1600" dirty="0">
+              <a:cs typeface="+mn-ea"/>
+              <a:sym typeface="+mn-lt"/>
+            </a:endParaRPr>
+          </a:p>
+        </p:txBody>
+      </p:sp>
     </p:spTree>
   </p:cSld>
   <p:clrMapOvr>
     <a:masterClrMapping/>
   </p:clrMapOvr>
-  <mc:AlternateContent xmlns:mc="http://schemas.openxmlformats.org/markup-compatibility/2006">
-    <mc:Choice xmlns:p159="http://schemas.microsoft.com/office/powerpoint/2015/09/main" Requires="p159">
+  <mc:AlternateContent xmlns:mc="http://schemas.openxmlformats.org/markup-compatibility/2006" xmlns:p159="http://schemas.microsoft.com/office/powerpoint/2015/09/main">
+    <mc:Choice Requires="p159">
       <p:transition spd="med">
         <p159:morph option="byObject"/>
       </p:transition>
     </mc:Choice>
-    <mc:Fallback>
+    <mc:Fallback xmlns="">
       <p:transition spd="med">
         <p:fade/>
       </p:transition>
@@ -19722,13 +19938,13 @@
   <p:clrMapOvr>
     <a:masterClrMapping/>
   </p:clrMapOvr>
-  <mc:AlternateContent xmlns:mc="http://schemas.openxmlformats.org/markup-compatibility/2006">
-    <mc:Choice xmlns:p159="http://schemas.microsoft.com/office/powerpoint/2015/09/main" Requires="p159">
+  <mc:AlternateContent xmlns:mc="http://schemas.openxmlformats.org/markup-compatibility/2006" xmlns:p159="http://schemas.microsoft.com/office/powerpoint/2015/09/main">
+    <mc:Choice Requires="p159">
       <p:transition spd="med">
         <p159:morph option="byObject"/>
       </p:transition>
     </mc:Choice>
-    <mc:Fallback>
+    <mc:Fallback xmlns="">
       <p:transition spd="med">
         <p:fade/>
       </p:transition>
@@ -20383,13 +20599,13 @@
   <p:clrMapOvr>
     <a:masterClrMapping/>
   </p:clrMapOvr>
-  <mc:AlternateContent xmlns:mc="http://schemas.openxmlformats.org/markup-compatibility/2006">
-    <mc:Choice xmlns:p159="http://schemas.microsoft.com/office/powerpoint/2015/09/main" Requires="p159">
+  <mc:AlternateContent xmlns:mc="http://schemas.openxmlformats.org/markup-compatibility/2006" xmlns:p159="http://schemas.microsoft.com/office/powerpoint/2015/09/main">
+    <mc:Choice Requires="p159">
       <p:transition spd="med">
         <p159:morph option="byObject"/>
       </p:transition>
     </mc:Choice>
-    <mc:Fallback>
+    <mc:Fallback xmlns="">
       <p:transition spd="med">
         <p:fade/>
       </p:transition>
@@ -21148,13 +21364,13 @@
   <p:clrMapOvr>
     <a:masterClrMapping/>
   </p:clrMapOvr>
-  <mc:AlternateContent xmlns:mc="http://schemas.openxmlformats.org/markup-compatibility/2006">
-    <mc:Choice xmlns:p159="http://schemas.microsoft.com/office/powerpoint/2015/09/main" Requires="p159">
+  <mc:AlternateContent xmlns:mc="http://schemas.openxmlformats.org/markup-compatibility/2006" xmlns:p159="http://schemas.microsoft.com/office/powerpoint/2015/09/main">
+    <mc:Choice Requires="p159">
       <p:transition spd="med">
         <p159:morph option="byObject"/>
       </p:transition>
     </mc:Choice>
-    <mc:Fallback>
+    <mc:Fallback xmlns="">
       <p:transition spd="med">
         <p:fade/>
       </p:transition>
@@ -22003,13 +22219,13 @@
   <p:clrMapOvr>
     <a:masterClrMapping/>
   </p:clrMapOvr>
-  <mc:AlternateContent xmlns:mc="http://schemas.openxmlformats.org/markup-compatibility/2006">
-    <mc:Choice xmlns:p159="http://schemas.microsoft.com/office/powerpoint/2015/09/main" Requires="p159">
+  <mc:AlternateContent xmlns:mc="http://schemas.openxmlformats.org/markup-compatibility/2006" xmlns:p159="http://schemas.microsoft.com/office/powerpoint/2015/09/main">
+    <mc:Choice Requires="p159">
       <p:transition spd="med">
         <p159:morph option="byObject"/>
       </p:transition>
     </mc:Choice>
-    <mc:Fallback>
+    <mc:Fallback xmlns="">
       <p:transition spd="med">
         <p:fade/>
       </p:transition>
@@ -22514,8 +22730,8 @@
         </p:nvSpPr>
         <p:spPr>
           <a:xfrm>
-            <a:off x="3251517" y="5564962"/>
-            <a:ext cx="5302250" cy="1689079"/>
+            <a:off x="2425540" y="5564962"/>
+            <a:ext cx="6954204" cy="1689079"/>
           </a:xfrm>
           <a:prstGeom prst="rect">
             <a:avLst/>
@@ -22594,7 +22810,7 @@
           <p:nvPr>
             <p:extLst>
               <p:ext uri="{D42A27DB-BD31-4B8C-83A1-F6EECF244321}">
-                <p14:modId xmlns:p14="http://schemas.microsoft.com/office/powerpoint/2010/main" val="3281332064"/>
+                <p14:modId xmlns:p14="http://schemas.microsoft.com/office/powerpoint/2010/main" val="508344012"/>
               </p:ext>
             </p:extLst>
           </p:nvPr>
@@ -22899,7 +23115,7 @@
                     <a:bodyPr/>
                     <a:lstStyle/>
                     <a:p>
-                      <a:pPr algn="just"/>
+                      <a:pPr algn="l"/>
                       <a:r>
                         <a:rPr lang="zh-CN" sz="1200" b="1" kern="100" dirty="0">
                           <a:effectLst/>
@@ -22919,7 +23135,7 @@
                       </a:endParaRPr>
                     </a:p>
                     <a:p>
-                      <a:pPr algn="just"/>
+                      <a:pPr algn="l"/>
                       <a:r>
                         <a:rPr lang="en-US" sz="1200" kern="100" dirty="0">
                           <a:effectLst/>
@@ -22942,7 +23158,7 @@
                       </a:r>
                     </a:p>
                     <a:p>
-                      <a:pPr algn="just"/>
+                      <a:pPr algn="l"/>
                       <a:r>
                         <a:rPr lang="en-US" sz="1200" kern="100" dirty="0">
                           <a:effectLst/>
@@ -22965,7 +23181,7 @@
                       </a:r>
                     </a:p>
                     <a:p>
-                      <a:pPr algn="just"/>
+                      <a:pPr algn="l"/>
                       <a:r>
                         <a:rPr lang="en-US" sz="1200" kern="100" dirty="0">
                           <a:effectLst/>
@@ -22988,7 +23204,7 @@
                       </a:r>
                     </a:p>
                     <a:p>
-                      <a:pPr algn="just"/>
+                      <a:pPr algn="l"/>
                       <a:r>
                         <a:rPr lang="en-US" sz="1200" kern="100" dirty="0">
                           <a:effectLst/>
@@ -23011,7 +23227,7 @@
                       </a:r>
                     </a:p>
                     <a:p>
-                      <a:pPr algn="just"/>
+                      <a:pPr algn="l"/>
                       <a:r>
                         <a:rPr lang="zh-CN" sz="1200" b="1" kern="100" dirty="0">
                           <a:effectLst/>
@@ -23031,7 +23247,7 @@
                       </a:endParaRPr>
                     </a:p>
                     <a:p>
-                      <a:pPr algn="just"/>
+                      <a:pPr algn="l"/>
                       <a:r>
                         <a:rPr lang="en-US" sz="1200" kern="100" dirty="0">
                           <a:effectLst/>
@@ -23094,7 +23310,7 @@
                       </a:r>
                     </a:p>
                     <a:p>
-                      <a:pPr algn="just"/>
+                      <a:pPr algn="l"/>
                       <a:r>
                         <a:rPr lang="en-US" sz="1200" kern="100" dirty="0">
                           <a:effectLst/>
@@ -23286,9 +23502,9 @@
                     <a:bodyPr/>
                     <a:lstStyle/>
                     <a:p>
-                      <a:pPr algn="just"/>
+                      <a:pPr algn="l"/>
                       <a:r>
-                        <a:rPr lang="en-US" sz="1200" kern="100">
+                        <a:rPr lang="en-US" sz="1200" kern="100" dirty="0">
                           <a:effectLst/>
                           <a:latin typeface="+mn-lt"/>
                           <a:ea typeface="+mn-ea"/>
@@ -23298,7 +23514,7 @@
                         <a:t>1.</a:t>
                       </a:r>
                       <a:r>
-                        <a:rPr lang="zh-CN" sz="1200" kern="100">
+                        <a:rPr lang="zh-CN" sz="1200" kern="100" dirty="0">
                           <a:effectLst/>
                           <a:latin typeface="+mn-lt"/>
                           <a:ea typeface="+mn-ea"/>
@@ -23308,7 +23524,7 @@
                         <a:t>划分训练集</a:t>
                       </a:r>
                       <a:r>
-                        <a:rPr lang="en-US" sz="1200" kern="100">
+                        <a:rPr lang="en-US" sz="1200" kern="100" dirty="0">
                           <a:effectLst/>
                           <a:latin typeface="+mn-lt"/>
                           <a:ea typeface="+mn-ea"/>
@@ -23318,7 +23534,7 @@
                         <a:t>/</a:t>
                       </a:r>
                       <a:r>
-                        <a:rPr lang="zh-CN" sz="1200" kern="100">
+                        <a:rPr lang="zh-CN" sz="1200" kern="100" dirty="0">
                           <a:effectLst/>
                           <a:latin typeface="+mn-lt"/>
                           <a:ea typeface="+mn-ea"/>
@@ -23328,7 +23544,7 @@
                         <a:t>测试集（按</a:t>
                       </a:r>
                       <a:r>
-                        <a:rPr lang="en-US" sz="1200" kern="100">
+                        <a:rPr lang="en-US" sz="1200" kern="100" dirty="0">
                           <a:effectLst/>
                           <a:latin typeface="+mn-lt"/>
                           <a:ea typeface="+mn-ea"/>
@@ -23338,7 +23554,7 @@
                         <a:t>7:3</a:t>
                       </a:r>
                       <a:r>
-                        <a:rPr lang="zh-CN" sz="1200" kern="100">
+                        <a:rPr lang="zh-CN" sz="1200" kern="100" dirty="0">
                           <a:effectLst/>
                           <a:latin typeface="+mn-lt"/>
                           <a:ea typeface="+mn-ea"/>
@@ -23348,7 +23564,7 @@
                         <a:t>或</a:t>
                       </a:r>
                       <a:r>
-                        <a:rPr lang="en-US" sz="1200" kern="100">
+                        <a:rPr lang="en-US" sz="1200" kern="100" dirty="0">
                           <a:effectLst/>
                           <a:latin typeface="+mn-lt"/>
                           <a:ea typeface="+mn-ea"/>
@@ -23358,7 +23574,7 @@
                         <a:t>8:2</a:t>
                       </a:r>
                       <a:r>
-                        <a:rPr lang="zh-CN" sz="1200" kern="100">
+                        <a:rPr lang="zh-CN" sz="1200" kern="100" dirty="0">
                           <a:effectLst/>
                           <a:latin typeface="+mn-lt"/>
                           <a:ea typeface="+mn-ea"/>
@@ -23369,9 +23585,9 @@
                       </a:r>
                     </a:p>
                     <a:p>
-                      <a:pPr algn="just"/>
+                      <a:pPr algn="l"/>
                       <a:r>
-                        <a:rPr lang="en-US" sz="1200" kern="100">
+                        <a:rPr lang="en-US" sz="1200" kern="100" dirty="0">
                           <a:effectLst/>
                           <a:latin typeface="+mn-lt"/>
                           <a:ea typeface="+mn-ea"/>
@@ -23381,7 +23597,7 @@
                         <a:t>2.</a:t>
                       </a:r>
                       <a:r>
-                        <a:rPr lang="zh-CN" sz="1200" kern="100">
+                        <a:rPr lang="zh-CN" sz="1200" kern="100" dirty="0">
                           <a:effectLst/>
                           <a:latin typeface="+mn-lt"/>
                           <a:ea typeface="+mn-ea"/>
@@ -23391,7 +23607,7 @@
                         <a:t>确认特征变量与目标变量（种类</a:t>
                       </a:r>
                       <a:r>
-                        <a:rPr lang="en-US" sz="1200" kern="100">
+                        <a:rPr lang="en-US" sz="1200" kern="100" dirty="0">
                           <a:effectLst/>
                           <a:latin typeface="+mn-lt"/>
                           <a:ea typeface="+mn-ea"/>
@@ -23401,7 +23617,7 @@
                         <a:t>/</a:t>
                       </a:r>
                       <a:r>
-                        <a:rPr lang="zh-CN" sz="1200" kern="100">
+                        <a:rPr lang="zh-CN" sz="1200" kern="100" dirty="0">
                           <a:effectLst/>
                           <a:latin typeface="+mn-lt"/>
                           <a:ea typeface="+mn-ea"/>
@@ -23412,9 +23628,9 @@
                       </a:r>
                     </a:p>
                     <a:p>
-                      <a:pPr algn="just"/>
+                      <a:pPr algn="l"/>
                       <a:r>
-                        <a:rPr lang="en-US" sz="1200" kern="100">
+                        <a:rPr lang="en-US" sz="1200" kern="100" dirty="0">
                           <a:effectLst/>
                           <a:latin typeface="+mn-lt"/>
                           <a:ea typeface="+mn-ea"/>
@@ -23424,7 +23640,7 @@
                         <a:t>3.</a:t>
                       </a:r>
                       <a:r>
-                        <a:rPr lang="zh-CN" sz="1200" kern="100">
+                        <a:rPr lang="zh-CN" sz="1200" kern="100" dirty="0">
                           <a:effectLst/>
                           <a:latin typeface="+mn-lt"/>
                           <a:ea typeface="+mn-ea"/>
@@ -23434,7 +23650,7 @@
                         <a:t>训练逻辑回归、决策树、随机森林</a:t>
                       </a:r>
                       <a:r>
-                        <a:rPr lang="en-US" sz="1200" kern="100">
+                        <a:rPr lang="en-US" sz="1200" kern="100" dirty="0">
                           <a:effectLst/>
                           <a:latin typeface="+mn-lt"/>
                           <a:ea typeface="+mn-ea"/>
@@ -23444,7 +23660,7 @@
                         <a:t>3</a:t>
                       </a:r>
                       <a:r>
-                        <a:rPr lang="zh-CN" sz="1200" kern="100">
+                        <a:rPr lang="zh-CN" sz="1200" kern="100" dirty="0">
                           <a:effectLst/>
                           <a:latin typeface="+mn-lt"/>
                           <a:ea typeface="+mn-ea"/>
@@ -23455,9 +23671,9 @@
                       </a:r>
                     </a:p>
                     <a:p>
-                      <a:pPr algn="just"/>
+                      <a:pPr algn="l"/>
                       <a:r>
-                        <a:rPr lang="en-US" sz="1200" kern="100">
+                        <a:rPr lang="en-US" sz="1200" kern="100" dirty="0">
                           <a:effectLst/>
                           <a:latin typeface="+mn-lt"/>
                           <a:ea typeface="+mn-ea"/>
@@ -23467,7 +23683,7 @@
                         <a:t>4.</a:t>
                       </a:r>
                       <a:r>
-                        <a:rPr lang="zh-CN" sz="1200" kern="100">
+                        <a:rPr lang="zh-CN" sz="1200" kern="100" dirty="0">
                           <a:effectLst/>
                           <a:latin typeface="+mn-lt"/>
                           <a:ea typeface="+mn-ea"/>
@@ -23477,7 +23693,7 @@
                         <a:t>采用</a:t>
                       </a:r>
                       <a:r>
-                        <a:rPr lang="en-US" sz="1200" kern="100">
+                        <a:rPr lang="en-US" sz="1200" kern="100" dirty="0">
                           <a:effectLst/>
                           <a:latin typeface="+mn-lt"/>
                           <a:ea typeface="+mn-ea"/>
@@ -23487,7 +23703,7 @@
                         <a:t>10</a:t>
                       </a:r>
                       <a:r>
-                        <a:rPr lang="zh-CN" sz="1200" kern="100">
+                        <a:rPr lang="zh-CN" sz="1200" kern="100" dirty="0">
                           <a:effectLst/>
                           <a:latin typeface="+mn-lt"/>
                           <a:ea typeface="+mn-ea"/>
@@ -23627,7 +23843,7 @@
                     <a:bodyPr/>
                     <a:lstStyle/>
                     <a:p>
-                      <a:pPr algn="just"/>
+                      <a:pPr algn="l"/>
                       <a:r>
                         <a:rPr lang="en-US" sz="1200" kern="100" dirty="0">
                           <a:effectLst/>
@@ -23921,13 +24137,13 @@
   <p:clrMapOvr>
     <a:masterClrMapping/>
   </p:clrMapOvr>
-  <mc:AlternateContent xmlns:mc="http://schemas.openxmlformats.org/markup-compatibility/2006">
-    <mc:Choice xmlns:p159="http://schemas.microsoft.com/office/powerpoint/2015/09/main" Requires="p159">
+  <mc:AlternateContent xmlns:mc="http://schemas.openxmlformats.org/markup-compatibility/2006" xmlns:p159="http://schemas.microsoft.com/office/powerpoint/2015/09/main">
+    <mc:Choice Requires="p159">
       <p:transition spd="med">
         <p159:morph option="byObject"/>
       </p:transition>
     </mc:Choice>
-    <mc:Fallback>
+    <mc:Fallback xmlns="">
       <p:transition spd="med">
         <p:fade/>
       </p:transition>
@@ -24428,13 +24644,13 @@
   <p:clrMapOvr>
     <a:masterClrMapping/>
   </p:clrMapOvr>
-  <mc:AlternateContent xmlns:mc="http://schemas.openxmlformats.org/markup-compatibility/2006">
-    <mc:Choice xmlns:p159="http://schemas.microsoft.com/office/powerpoint/2015/09/main" Requires="p159">
+  <mc:AlternateContent xmlns:mc="http://schemas.openxmlformats.org/markup-compatibility/2006" xmlns:p159="http://schemas.microsoft.com/office/powerpoint/2015/09/main">
+    <mc:Choice Requires="p159">
       <p:transition spd="med">
         <p159:morph option="byObject"/>
       </p:transition>
     </mc:Choice>
-    <mc:Fallback>
+    <mc:Fallback xmlns="">
       <p:transition spd="med">
         <p:fade/>
       </p:transition>
@@ -25125,13 +25341,13 @@
   <p:clrMapOvr>
     <a:masterClrMapping/>
   </p:clrMapOvr>
-  <mc:AlternateContent xmlns:mc="http://schemas.openxmlformats.org/markup-compatibility/2006">
-    <mc:Choice xmlns:p159="http://schemas.microsoft.com/office/powerpoint/2015/09/main" Requires="p159">
+  <mc:AlternateContent xmlns:mc="http://schemas.openxmlformats.org/markup-compatibility/2006" xmlns:p159="http://schemas.microsoft.com/office/powerpoint/2015/09/main">
+    <mc:Choice Requires="p159">
       <p:transition spd="med">
         <p159:morph option="byObject"/>
       </p:transition>
     </mc:Choice>
-    <mc:Fallback>
+    <mc:Fallback xmlns="">
       <p:transition spd="med">
         <p:fade/>
       </p:transition>
@@ -25794,13 +26010,13 @@
   <p:clrMapOvr>
     <a:masterClrMapping/>
   </p:clrMapOvr>
-  <mc:AlternateContent xmlns:mc="http://schemas.openxmlformats.org/markup-compatibility/2006">
-    <mc:Choice xmlns:p159="http://schemas.microsoft.com/office/powerpoint/2015/09/main" Requires="p159">
+  <mc:AlternateContent xmlns:mc="http://schemas.openxmlformats.org/markup-compatibility/2006" xmlns:p159="http://schemas.microsoft.com/office/powerpoint/2015/09/main">
+    <mc:Choice Requires="p159">
       <p:transition spd="med">
         <p159:morph option="byObject"/>
       </p:transition>
     </mc:Choice>
-    <mc:Fallback>
+    <mc:Fallback xmlns="">
       <p:transition spd="med">
         <p:fade/>
       </p:transition>
@@ -26331,13 +26547,13 @@
   <p:clrMapOvr>
     <a:masterClrMapping/>
   </p:clrMapOvr>
-  <mc:AlternateContent xmlns:mc="http://schemas.openxmlformats.org/markup-compatibility/2006">
-    <mc:Choice xmlns:p159="http://schemas.microsoft.com/office/powerpoint/2015/09/main" Requires="p159">
+  <mc:AlternateContent xmlns:mc="http://schemas.openxmlformats.org/markup-compatibility/2006" xmlns:p159="http://schemas.microsoft.com/office/powerpoint/2015/09/main">
+    <mc:Choice Requires="p159">
       <p:transition spd="med">
         <p159:morph option="byObject"/>
       </p:transition>
     </mc:Choice>
-    <mc:Fallback>
+    <mc:Fallback xmlns="">
       <p:transition spd="med">
         <p:fade/>
       </p:transition>
